--- a/메모장.pptx
+++ b/메모장.pptx
@@ -14,6 +14,7 @@
     <p:sldId id="263" r:id="rId8"/>
     <p:sldId id="261" r:id="rId9"/>
     <p:sldId id="262" r:id="rId10"/>
+    <p:sldId id="265" r:id="rId11"/>
   </p:sldIdLst>
   <p:sldSz cx="12192000" cy="6858000"/>
   <p:notesSz cx="6858000" cy="9144000"/>
@@ -441,7 +442,7 @@
               </emma:one-of>
             </emma:emma>
           </inkml:annotationXML>
-          <inkml:trace contextRef="#ctx0" brushRef="#br0" timeOffset="1294.6541">3732 3422 0,'0'0'0,"0"0"0,0 0 16,0 0-16,0 0 0,0 0 16,0 0-16,0 0 0,0 0 15,0 0-15,0 0 16,-4 0-16,-20 0 0,-22 0 15,-20 16-15,-15 1 16,-4-14-16,7 7 0,-3-6 16,0 7-16,-3-5 0,-11-6 15,18 14-15,-7-9 16,1-2-16,-1-3 0,1 12 16,2-5-16,-10-3 15,-5-4-15,7 0 0,3 0 16,11 0-16,7 0 0,6-1 15,-4 1 1,5-3-16,-2 3 0,8-7 0,3-8 16,5-4-1,9-2-15,1-3 0,6-1 0,1-9 16,7 0-16,2-7 16,11-2-16,4-9 15,6-5-15,3-4 0,8 5 16,9 2-16,14-6 15,11-2-15,6 2 0,11-1 16,13-7-16,11 2 16,8 2-16,-4 7 0,2 8 15,5 3-15,10 4 16,11 3-16,-3 8 0,-1 8 16,-10 15-16,7-7 0,-9 14 15,-2 1-15,-5 1 16,-11 5-16,3 13 0,-8 11 15,0 11-15,3 8 16,-7 9-16,-6 7 0,-10 8 16,-7 6-16,-11-2 15,-4-2-15,-7-6 0,-8-2 16,-6 5-16,5 5 0,-9-8 16,7-2-16,-9-14 15,4-10-15,5 0 0,-6-14 16,-17-56-1</inkml:trace>
+          <inkml:trace contextRef="#ctx0" brushRef="#br0" timeOffset="1294.6538">3732 3422 0,'0'0'0,"0"0"0,0 0 16,0 0-16,0 0 0,0 0 16,0 0-16,0 0 0,0 0 15,0 0-15,0 0 16,-4 0-16,-20 0 0,-22 0 15,-20 16-15,-15 1 16,-4-14-16,7 7 0,-3-6 16,0 7-16,-3-5 0,-11-6 15,18 14-15,-7-9 16,1-2-16,-1-3 0,1 12 16,2-5-16,-10-3 15,-5-4-15,7 0 0,3 0 16,11 0-16,7 0 0,6-1 15,-4 1 1,5-3-16,-2 3 0,8-7 0,3-8 16,5-4-1,9-2-15,1-3 0,6-1 0,1-9 16,7 0-16,2-7 16,11-2-16,4-9 15,6-5-15,3-4 0,8 5 16,9 2-16,14-6 15,11-2-15,6 2 0,11-1 16,13-7-16,11 2 16,8 2-16,-4 7 0,2 8 15,5 3-15,10 4 16,11 3-16,-3 8 0,-1 8 16,-10 15-16,7-7 0,-9 14 15,-2 1-15,-5 1 16,-11 5-16,3 13 0,-8 11 15,0 11-15,3 8 16,-7 9-16,-6 7 0,-10 8 16,-7 6-16,-11-2 15,-4-2-15,-7-6 0,-8-2 16,-6 5-16,5 5 0,-9-8 16,7-2-16,-9-14 15,4-10-15,5 0 0,-6-14 16,-17-56-1</inkml:trace>
         </inkml:traceGroup>
       </inkml:traceGroup>
     </inkml:traceGroup>
@@ -1169,7 +1170,7 @@
           <a:p>
             <a:fld id="{C78335B2-3F3A-44EF-82BF-4A1893033EAF}" type="datetimeFigureOut">
               <a:rPr lang="ko-KR" altLang="en-US" smtClean="0"/>
-              <a:t>2024-08-10</a:t>
+              <a:t>2024-08-14</a:t>
             </a:fld>
             <a:endParaRPr lang="ko-KR" altLang="en-US"/>
           </a:p>
@@ -1339,7 +1340,7 @@
           <a:p>
             <a:fld id="{C78335B2-3F3A-44EF-82BF-4A1893033EAF}" type="datetimeFigureOut">
               <a:rPr lang="ko-KR" altLang="en-US" smtClean="0"/>
-              <a:t>2024-08-10</a:t>
+              <a:t>2024-08-14</a:t>
             </a:fld>
             <a:endParaRPr lang="ko-KR" altLang="en-US"/>
           </a:p>
@@ -1519,7 +1520,7 @@
           <a:p>
             <a:fld id="{C78335B2-3F3A-44EF-82BF-4A1893033EAF}" type="datetimeFigureOut">
               <a:rPr lang="ko-KR" altLang="en-US" smtClean="0"/>
-              <a:t>2024-08-10</a:t>
+              <a:t>2024-08-14</a:t>
             </a:fld>
             <a:endParaRPr lang="ko-KR" altLang="en-US"/>
           </a:p>
@@ -1689,7 +1690,7 @@
           <a:p>
             <a:fld id="{C78335B2-3F3A-44EF-82BF-4A1893033EAF}" type="datetimeFigureOut">
               <a:rPr lang="ko-KR" altLang="en-US" smtClean="0"/>
-              <a:t>2024-08-10</a:t>
+              <a:t>2024-08-14</a:t>
             </a:fld>
             <a:endParaRPr lang="ko-KR" altLang="en-US"/>
           </a:p>
@@ -1935,7 +1936,7 @@
           <a:p>
             <a:fld id="{C78335B2-3F3A-44EF-82BF-4A1893033EAF}" type="datetimeFigureOut">
               <a:rPr lang="ko-KR" altLang="en-US" smtClean="0"/>
-              <a:t>2024-08-10</a:t>
+              <a:t>2024-08-14</a:t>
             </a:fld>
             <a:endParaRPr lang="ko-KR" altLang="en-US"/>
           </a:p>
@@ -2167,7 +2168,7 @@
           <a:p>
             <a:fld id="{C78335B2-3F3A-44EF-82BF-4A1893033EAF}" type="datetimeFigureOut">
               <a:rPr lang="ko-KR" altLang="en-US" smtClean="0"/>
-              <a:t>2024-08-10</a:t>
+              <a:t>2024-08-14</a:t>
             </a:fld>
             <a:endParaRPr lang="ko-KR" altLang="en-US"/>
           </a:p>
@@ -2534,7 +2535,7 @@
           <a:p>
             <a:fld id="{C78335B2-3F3A-44EF-82BF-4A1893033EAF}" type="datetimeFigureOut">
               <a:rPr lang="ko-KR" altLang="en-US" smtClean="0"/>
-              <a:t>2024-08-10</a:t>
+              <a:t>2024-08-14</a:t>
             </a:fld>
             <a:endParaRPr lang="ko-KR" altLang="en-US"/>
           </a:p>
@@ -2652,7 +2653,7 @@
           <a:p>
             <a:fld id="{C78335B2-3F3A-44EF-82BF-4A1893033EAF}" type="datetimeFigureOut">
               <a:rPr lang="ko-KR" altLang="en-US" smtClean="0"/>
-              <a:t>2024-08-10</a:t>
+              <a:t>2024-08-14</a:t>
             </a:fld>
             <a:endParaRPr lang="ko-KR" altLang="en-US"/>
           </a:p>
@@ -2747,7 +2748,7 @@
           <a:p>
             <a:fld id="{C78335B2-3F3A-44EF-82BF-4A1893033EAF}" type="datetimeFigureOut">
               <a:rPr lang="ko-KR" altLang="en-US" smtClean="0"/>
-              <a:t>2024-08-10</a:t>
+              <a:t>2024-08-14</a:t>
             </a:fld>
             <a:endParaRPr lang="ko-KR" altLang="en-US"/>
           </a:p>
@@ -3024,7 +3025,7 @@
           <a:p>
             <a:fld id="{C78335B2-3F3A-44EF-82BF-4A1893033EAF}" type="datetimeFigureOut">
               <a:rPr lang="ko-KR" altLang="en-US" smtClean="0"/>
-              <a:t>2024-08-10</a:t>
+              <a:t>2024-08-14</a:t>
             </a:fld>
             <a:endParaRPr lang="ko-KR" altLang="en-US"/>
           </a:p>
@@ -3277,7 +3278,7 @@
           <a:p>
             <a:fld id="{C78335B2-3F3A-44EF-82BF-4A1893033EAF}" type="datetimeFigureOut">
               <a:rPr lang="ko-KR" altLang="en-US" smtClean="0"/>
-              <a:t>2024-08-10</a:t>
+              <a:t>2024-08-14</a:t>
             </a:fld>
             <a:endParaRPr lang="ko-KR" altLang="en-US"/>
           </a:p>
@@ -3490,7 +3491,7 @@
           <a:p>
             <a:fld id="{C78335B2-3F3A-44EF-82BF-4A1893033EAF}" type="datetimeFigureOut">
               <a:rPr lang="ko-KR" altLang="en-US" smtClean="0"/>
-              <a:t>2024-08-10</a:t>
+              <a:t>2024-08-14</a:t>
             </a:fld>
             <a:endParaRPr lang="ko-KR" altLang="en-US"/>
           </a:p>
@@ -4145,6 +4146,749 @@
     <p:extLst>
       <p:ext uri="{BB962C8B-B14F-4D97-AF65-F5344CB8AC3E}">
         <p14:creationId xmlns:p14="http://schemas.microsoft.com/office/powerpoint/2010/main" val="1944736792"/>
+      </p:ext>
+    </p:extLst>
+  </p:cSld>
+  <p:clrMapOvr>
+    <a:masterClrMapping/>
+  </p:clrMapOvr>
+</p:sld>
+</file>
+
+<file path=ppt/slides/slide10.xml><?xml version="1.0" encoding="utf-8"?>
+<p:sld xmlns:a="http://schemas.openxmlformats.org/drawingml/2006/main" xmlns:r="http://schemas.openxmlformats.org/officeDocument/2006/relationships" xmlns:p="http://schemas.openxmlformats.org/presentationml/2006/main">
+  <p:cSld>
+    <p:spTree>
+      <p:nvGrpSpPr>
+        <p:cNvPr id="1" name=""/>
+        <p:cNvGrpSpPr/>
+        <p:nvPr/>
+      </p:nvGrpSpPr>
+      <p:grpSpPr>
+        <a:xfrm>
+          <a:off x="0" y="0"/>
+          <a:ext cx="0" cy="0"/>
+          <a:chOff x="0" y="0"/>
+          <a:chExt cx="0" cy="0"/>
+        </a:xfrm>
+      </p:grpSpPr>
+      <p:sp>
+        <p:nvSpPr>
+          <p:cNvPr id="2" name="제목 1"/>
+          <p:cNvSpPr>
+            <a:spLocks noGrp="1"/>
+          </p:cNvSpPr>
+          <p:nvPr>
+            <p:ph type="title"/>
+          </p:nvPr>
+        </p:nvSpPr>
+        <p:spPr>
+          <a:xfrm>
+            <a:off x="0" y="0"/>
+            <a:ext cx="1532860" cy="947996"/>
+          </a:xfrm>
+        </p:spPr>
+        <p:txBody>
+          <a:bodyPr/>
+          <a:lstStyle/>
+          <a:p>
+            <a:r>
+              <a:rPr lang="ko-KR" altLang="en-US" dirty="0" smtClean="0"/>
+              <a:t>수정</a:t>
+            </a:r>
+            <a:endParaRPr lang="ko-KR" altLang="en-US" dirty="0"/>
+          </a:p>
+        </p:txBody>
+      </p:sp>
+      <p:sp>
+        <p:nvSpPr>
+          <p:cNvPr id="4" name="직사각형 3"/>
+          <p:cNvSpPr/>
+          <p:nvPr/>
+        </p:nvSpPr>
+        <p:spPr>
+          <a:xfrm>
+            <a:off x="0" y="1042842"/>
+            <a:ext cx="5454502" cy="3416320"/>
+          </a:xfrm>
+          <a:prstGeom prst="rect">
+            <a:avLst/>
+          </a:prstGeom>
+        </p:spPr>
+        <p:txBody>
+          <a:bodyPr wrap="square">
+            <a:spAutoFit/>
+          </a:bodyPr>
+          <a:lstStyle/>
+          <a:p>
+            <a:r>
+              <a:rPr lang="ko-KR" altLang="en-US" dirty="0"/>
+              <a:t>이거 회원가입 하면 자동으로 </a:t>
+            </a:r>
+            <a:r>
+              <a:rPr lang="ko-KR" altLang="en-US" dirty="0" err="1"/>
+              <a:t>친구코드도</a:t>
+            </a:r>
+            <a:r>
+              <a:rPr lang="ko-KR" altLang="en-US" dirty="0"/>
+              <a:t> 만들어지고 그래야 하는데 </a:t>
+            </a:r>
+            <a:r>
+              <a:rPr lang="ko-KR" altLang="en-US" dirty="0" err="1"/>
+              <a:t>외래키를</a:t>
+            </a:r>
+            <a:r>
+              <a:rPr lang="ko-KR" altLang="en-US" dirty="0"/>
+              <a:t> 잘못 설정해서 그런지 </a:t>
+            </a:r>
+            <a:r>
+              <a:rPr lang="ko-KR" altLang="en-US" dirty="0" err="1"/>
+              <a:t>친구코드를</a:t>
+            </a:r>
+            <a:r>
+              <a:rPr lang="ko-KR" altLang="en-US" dirty="0"/>
+              <a:t> </a:t>
+            </a:r>
+            <a:r>
+              <a:rPr lang="ko-KR" altLang="en-US" dirty="0" err="1"/>
+              <a:t>만들어야지만</a:t>
+            </a:r>
+            <a:r>
+              <a:rPr lang="ko-KR" altLang="en-US" dirty="0"/>
+              <a:t> 회원가입이 돼서 이거 수정 </a:t>
+            </a:r>
+            <a:r>
+              <a:rPr lang="ko-KR" altLang="en-US" dirty="0" smtClean="0"/>
+              <a:t>해야함</a:t>
+            </a:r>
+            <a:endParaRPr lang="en-US" altLang="ko-KR" dirty="0" smtClean="0"/>
+          </a:p>
+          <a:p>
+            <a:endParaRPr lang="en-US" altLang="ko-KR" dirty="0"/>
+          </a:p>
+          <a:p>
+            <a:r>
+              <a:rPr lang="ko-KR" altLang="en-US" dirty="0" smtClean="0"/>
+              <a:t>루틴도</a:t>
+            </a:r>
+            <a:r>
+              <a:rPr lang="en-US" altLang="ko-KR" dirty="0"/>
+              <a:t> </a:t>
+            </a:r>
+            <a:r>
+              <a:rPr lang="ko-KR" altLang="en-US" dirty="0" smtClean="0"/>
+              <a:t>루틴 </a:t>
+            </a:r>
+            <a:r>
+              <a:rPr lang="ko-KR" altLang="en-US" dirty="0" err="1" smtClean="0"/>
+              <a:t>생성해야지</a:t>
+            </a:r>
+            <a:r>
+              <a:rPr lang="ko-KR" altLang="en-US" dirty="0" smtClean="0"/>
+              <a:t> 일정 추가가 됨</a:t>
+            </a:r>
+            <a:endParaRPr lang="en-US" altLang="ko-KR" dirty="0" smtClean="0"/>
+          </a:p>
+          <a:p>
+            <a:endParaRPr lang="en-US" altLang="ko-KR" dirty="0"/>
+          </a:p>
+          <a:p>
+            <a:r>
+              <a:rPr lang="en-US" altLang="ko-KR" dirty="0" smtClean="0"/>
+              <a:t>&gt;&gt; </a:t>
+            </a:r>
+            <a:r>
+              <a:rPr lang="ko-KR" altLang="en-US" dirty="0" smtClean="0"/>
+              <a:t>이거 순서대로 진행 해야함 테스트용 </a:t>
+            </a:r>
+            <a:r>
+              <a:rPr lang="en-US" altLang="ko-KR" dirty="0" err="1" smtClean="0"/>
+              <a:t>sql</a:t>
+            </a:r>
+            <a:r>
+              <a:rPr lang="ko-KR" altLang="en-US" dirty="0" smtClean="0"/>
+              <a:t>문</a:t>
+            </a:r>
+            <a:endParaRPr lang="en-US" altLang="ko-KR" dirty="0" smtClean="0"/>
+          </a:p>
+          <a:p>
+            <a:endParaRPr lang="en-US" altLang="ko-KR" dirty="0"/>
+          </a:p>
+          <a:p>
+            <a:r>
+              <a:rPr lang="ko-KR" altLang="en-US" dirty="0" smtClean="0"/>
+              <a:t>챕터</a:t>
+            </a:r>
+            <a:r>
+              <a:rPr lang="en-US" altLang="ko-KR" dirty="0" smtClean="0"/>
+              <a:t>15 </a:t>
+            </a:r>
+            <a:r>
+              <a:rPr lang="ko-KR" altLang="en-US" dirty="0" smtClean="0"/>
+              <a:t>보드 </a:t>
+            </a:r>
+            <a:r>
+              <a:rPr lang="ko-KR" altLang="en-US" dirty="0" err="1" smtClean="0"/>
+              <a:t>관련된거</a:t>
+            </a:r>
+            <a:r>
+              <a:rPr lang="ko-KR" altLang="en-US" dirty="0" smtClean="0"/>
+              <a:t> 보면서 </a:t>
+            </a:r>
+            <a:r>
+              <a:rPr lang="ko-KR" altLang="en-US" dirty="0" err="1" smtClean="0"/>
+              <a:t>땡겨</a:t>
+            </a:r>
+            <a:r>
+              <a:rPr lang="ko-KR" altLang="en-US" dirty="0" smtClean="0"/>
+              <a:t> 와야 </a:t>
+            </a:r>
+            <a:r>
+              <a:rPr lang="ko-KR" altLang="en-US" dirty="0" err="1" smtClean="0"/>
+              <a:t>할듯</a:t>
+            </a:r>
+            <a:endParaRPr lang="en-US" altLang="ko-KR" dirty="0" smtClean="0"/>
+          </a:p>
+          <a:p>
+            <a:r>
+              <a:rPr lang="ko-KR" altLang="en-US" dirty="0" smtClean="0"/>
+              <a:t>그러고 실행 해보고 그래도 안되면 이벤트 서비스 오류 </a:t>
+            </a:r>
+            <a:r>
+              <a:rPr lang="ko-KR" altLang="en-US" dirty="0" err="1" smtClean="0"/>
+              <a:t>잡아야함</a:t>
+            </a:r>
+            <a:r>
+              <a:rPr lang="ko-KR" altLang="en-US" dirty="0" smtClean="0"/>
+              <a:t> </a:t>
+            </a:r>
+            <a:r>
+              <a:rPr lang="ko-KR" altLang="en-US" dirty="0" err="1" smtClean="0"/>
+              <a:t>홀리쒯</a:t>
+            </a:r>
+            <a:r>
+              <a:rPr lang="en-US" altLang="ko-KR" dirty="0" smtClean="0"/>
+              <a:t>!!!</a:t>
+            </a:r>
+          </a:p>
+        </p:txBody>
+      </p:sp>
+      <p:sp>
+        <p:nvSpPr>
+          <p:cNvPr id="6" name="직사각형 5"/>
+          <p:cNvSpPr/>
+          <p:nvPr/>
+        </p:nvSpPr>
+        <p:spPr>
+          <a:xfrm>
+            <a:off x="5578549" y="341438"/>
+            <a:ext cx="6096000" cy="5909310"/>
+          </a:xfrm>
+          <a:prstGeom prst="rect">
+            <a:avLst/>
+          </a:prstGeom>
+        </p:spPr>
+        <p:txBody>
+          <a:bodyPr>
+            <a:spAutoFit/>
+          </a:bodyPr>
+          <a:lstStyle/>
+          <a:p>
+            <a:r>
+              <a:rPr lang="ko-KR" altLang="en-US" dirty="0" err="1"/>
+              <a:t>insert</a:t>
+            </a:r>
+            <a:r>
+              <a:rPr lang="ko-KR" altLang="en-US" dirty="0"/>
+              <a:t> </a:t>
+            </a:r>
+            <a:r>
+              <a:rPr lang="ko-KR" altLang="en-US" dirty="0" err="1"/>
+              <a:t>into</a:t>
+            </a:r>
+            <a:r>
+              <a:rPr lang="ko-KR" altLang="en-US" dirty="0"/>
+              <a:t> </a:t>
+            </a:r>
+            <a:r>
+              <a:rPr lang="ko-KR" altLang="en-US" dirty="0" err="1"/>
+              <a:t>category</a:t>
+            </a:r>
+            <a:r>
+              <a:rPr lang="ko-KR" altLang="en-US" dirty="0"/>
+              <a:t>(</a:t>
+            </a:r>
+            <a:r>
+              <a:rPr lang="ko-KR" altLang="en-US" dirty="0" err="1"/>
+              <a:t>category_id</a:t>
+            </a:r>
+            <a:r>
+              <a:rPr lang="ko-KR" altLang="en-US" dirty="0"/>
+              <a:t>, </a:t>
+            </a:r>
+            <a:r>
+              <a:rPr lang="ko-KR" altLang="en-US" dirty="0" err="1"/>
+              <a:t>category_name</a:t>
+            </a:r>
+            <a:r>
+              <a:rPr lang="ko-KR" altLang="en-US" dirty="0"/>
+              <a:t>)</a:t>
+            </a:r>
+          </a:p>
+          <a:p>
+            <a:r>
+              <a:rPr lang="ko-KR" altLang="en-US" dirty="0" err="1"/>
+              <a:t>values</a:t>
+            </a:r>
+            <a:r>
+              <a:rPr lang="ko-KR" altLang="en-US" dirty="0"/>
+              <a:t>(1, '공부');</a:t>
+            </a:r>
+          </a:p>
+          <a:p>
+            <a:endParaRPr lang="ko-KR" altLang="en-US" dirty="0"/>
+          </a:p>
+          <a:p>
+            <a:r>
+              <a:rPr lang="ko-KR" altLang="en-US" dirty="0" err="1"/>
+              <a:t>insert</a:t>
+            </a:r>
+            <a:r>
+              <a:rPr lang="ko-KR" altLang="en-US" dirty="0"/>
+              <a:t> </a:t>
+            </a:r>
+            <a:r>
+              <a:rPr lang="ko-KR" altLang="en-US" dirty="0" err="1"/>
+              <a:t>into</a:t>
+            </a:r>
+            <a:r>
+              <a:rPr lang="ko-KR" altLang="en-US" dirty="0"/>
+              <a:t> </a:t>
+            </a:r>
+            <a:r>
+              <a:rPr lang="ko-KR" altLang="en-US" dirty="0" err="1"/>
+              <a:t>member</a:t>
+            </a:r>
+            <a:r>
+              <a:rPr lang="ko-KR" altLang="en-US" dirty="0"/>
+              <a:t>(</a:t>
+            </a:r>
+            <a:r>
+              <a:rPr lang="ko-KR" altLang="en-US" dirty="0" err="1"/>
+              <a:t>member_id</a:t>
+            </a:r>
+            <a:r>
+              <a:rPr lang="ko-KR" altLang="en-US" dirty="0"/>
+              <a:t>, </a:t>
+            </a:r>
+            <a:r>
+              <a:rPr lang="ko-KR" altLang="en-US" dirty="0" err="1"/>
+              <a:t>code_id</a:t>
+            </a:r>
+            <a:r>
+              <a:rPr lang="ko-KR" altLang="en-US" dirty="0"/>
+              <a:t>, </a:t>
+            </a:r>
+            <a:r>
+              <a:rPr lang="ko-KR" altLang="en-US" dirty="0" err="1"/>
+              <a:t>email</a:t>
+            </a:r>
+            <a:r>
+              <a:rPr lang="ko-KR" altLang="en-US" dirty="0"/>
+              <a:t>, </a:t>
+            </a:r>
+            <a:r>
+              <a:rPr lang="ko-KR" altLang="en-US" dirty="0" err="1"/>
+              <a:t>name</a:t>
+            </a:r>
+            <a:r>
+              <a:rPr lang="ko-KR" altLang="en-US" dirty="0"/>
+              <a:t>, </a:t>
+            </a:r>
+            <a:r>
+              <a:rPr lang="ko-KR" altLang="en-US" dirty="0" err="1"/>
+              <a:t>password</a:t>
+            </a:r>
+            <a:r>
+              <a:rPr lang="ko-KR" altLang="en-US" dirty="0"/>
+              <a:t>, </a:t>
+            </a:r>
+            <a:r>
+              <a:rPr lang="ko-KR" altLang="en-US" dirty="0" err="1"/>
+              <a:t>gender</a:t>
+            </a:r>
+            <a:r>
+              <a:rPr lang="ko-KR" altLang="en-US" dirty="0"/>
+              <a:t>, </a:t>
+            </a:r>
+            <a:r>
+              <a:rPr lang="ko-KR" altLang="en-US" dirty="0" err="1"/>
+              <a:t>birth</a:t>
+            </a:r>
+            <a:r>
+              <a:rPr lang="ko-KR" altLang="en-US" dirty="0"/>
+              <a:t>, </a:t>
+            </a:r>
+            <a:r>
+              <a:rPr lang="ko-KR" altLang="en-US" dirty="0" err="1"/>
+              <a:t>image</a:t>
+            </a:r>
+            <a:r>
+              <a:rPr lang="ko-KR" altLang="en-US" dirty="0"/>
+              <a:t>, </a:t>
+            </a:r>
+            <a:r>
+              <a:rPr lang="ko-KR" altLang="en-US" dirty="0" err="1"/>
+              <a:t>bio</a:t>
+            </a:r>
+            <a:r>
+              <a:rPr lang="ko-KR" altLang="en-US" dirty="0"/>
+              <a:t>)</a:t>
+            </a:r>
+          </a:p>
+          <a:p>
+            <a:r>
+              <a:rPr lang="ko-KR" altLang="en-US" dirty="0" err="1"/>
+              <a:t>values</a:t>
+            </a:r>
+            <a:r>
+              <a:rPr lang="ko-KR" altLang="en-US" dirty="0"/>
+              <a:t>(2, 1, '</a:t>
+            </a:r>
+            <a:r>
+              <a:rPr lang="ko-KR" altLang="en-US" dirty="0" err="1"/>
+              <a:t>d@d.com</a:t>
+            </a:r>
+            <a:r>
+              <a:rPr lang="ko-KR" altLang="en-US" dirty="0"/>
+              <a:t>', '홍길동', '1234', '남자', </a:t>
+            </a:r>
+            <a:r>
+              <a:rPr lang="ko-KR" altLang="en-US" dirty="0" err="1"/>
+              <a:t>sysdate</a:t>
+            </a:r>
+            <a:r>
+              <a:rPr lang="ko-KR" altLang="en-US" dirty="0"/>
+              <a:t>, </a:t>
+            </a:r>
+            <a:r>
+              <a:rPr lang="ko-KR" altLang="en-US" dirty="0" err="1"/>
+              <a:t>null</a:t>
+            </a:r>
+            <a:r>
+              <a:rPr lang="ko-KR" altLang="en-US" dirty="0"/>
+              <a:t>, </a:t>
+            </a:r>
+            <a:r>
+              <a:rPr lang="ko-KR" altLang="en-US" dirty="0" err="1"/>
+              <a:t>null</a:t>
+            </a:r>
+            <a:r>
+              <a:rPr lang="ko-KR" altLang="en-US" dirty="0"/>
+              <a:t>);</a:t>
+            </a:r>
+          </a:p>
+          <a:p>
+            <a:endParaRPr lang="ko-KR" altLang="en-US" dirty="0"/>
+          </a:p>
+          <a:p>
+            <a:r>
+              <a:rPr lang="ko-KR" altLang="en-US" dirty="0" err="1"/>
+              <a:t>insert</a:t>
+            </a:r>
+            <a:r>
+              <a:rPr lang="ko-KR" altLang="en-US" dirty="0"/>
+              <a:t> </a:t>
+            </a:r>
+            <a:r>
+              <a:rPr lang="ko-KR" altLang="en-US" dirty="0" err="1"/>
+              <a:t>into</a:t>
+            </a:r>
+            <a:r>
+              <a:rPr lang="ko-KR" altLang="en-US" dirty="0"/>
+              <a:t> </a:t>
+            </a:r>
+            <a:r>
+              <a:rPr lang="ko-KR" altLang="en-US" dirty="0" err="1"/>
+              <a:t>routine</a:t>
+            </a:r>
+            <a:r>
+              <a:rPr lang="ko-KR" altLang="en-US" dirty="0"/>
+              <a:t>(</a:t>
+            </a:r>
+            <a:r>
+              <a:rPr lang="ko-KR" altLang="en-US" dirty="0" err="1"/>
+              <a:t>routine_id</a:t>
+            </a:r>
+            <a:r>
+              <a:rPr lang="ko-KR" altLang="en-US" dirty="0"/>
+              <a:t>, </a:t>
+            </a:r>
+            <a:r>
+              <a:rPr lang="ko-KR" altLang="en-US" dirty="0" err="1"/>
+              <a:t>member_id</a:t>
+            </a:r>
+            <a:r>
+              <a:rPr lang="ko-KR" altLang="en-US" dirty="0"/>
+              <a:t>, </a:t>
+            </a:r>
+            <a:r>
+              <a:rPr lang="ko-KR" altLang="en-US" dirty="0" err="1"/>
+              <a:t>routine_title</a:t>
+            </a:r>
+            <a:r>
+              <a:rPr lang="ko-KR" altLang="en-US" dirty="0"/>
+              <a:t>, </a:t>
+            </a:r>
+          </a:p>
+          <a:p>
+            <a:r>
+              <a:rPr lang="ko-KR" altLang="en-US" dirty="0" err="1"/>
+              <a:t>routine_start</a:t>
+            </a:r>
+            <a:r>
+              <a:rPr lang="ko-KR" altLang="en-US" dirty="0"/>
+              <a:t>, </a:t>
+            </a:r>
+            <a:r>
+              <a:rPr lang="ko-KR" altLang="en-US" dirty="0" err="1"/>
+              <a:t>routine_end</a:t>
+            </a:r>
+            <a:r>
+              <a:rPr lang="ko-KR" altLang="en-US" dirty="0"/>
+              <a:t>, </a:t>
+            </a:r>
+            <a:r>
+              <a:rPr lang="ko-KR" altLang="en-US" dirty="0" err="1"/>
+              <a:t>routine_pattern</a:t>
+            </a:r>
+            <a:r>
+              <a:rPr lang="ko-KR" altLang="en-US" dirty="0"/>
+              <a:t>, </a:t>
+            </a:r>
+            <a:r>
+              <a:rPr lang="ko-KR" altLang="en-US" dirty="0" err="1"/>
+              <a:t>routine_time</a:t>
+            </a:r>
+            <a:r>
+              <a:rPr lang="ko-KR" altLang="en-US" dirty="0"/>
+              <a:t>, </a:t>
+            </a:r>
+            <a:r>
+              <a:rPr lang="ko-KR" altLang="en-US" dirty="0" err="1"/>
+              <a:t>routine_manual</a:t>
+            </a:r>
+            <a:r>
+              <a:rPr lang="ko-KR" altLang="en-US" dirty="0"/>
+              <a:t>)</a:t>
+            </a:r>
+          </a:p>
+          <a:p>
+            <a:r>
+              <a:rPr lang="ko-KR" altLang="en-US" dirty="0" err="1"/>
+              <a:t>values</a:t>
+            </a:r>
+            <a:r>
+              <a:rPr lang="ko-KR" altLang="en-US" dirty="0"/>
+              <a:t>(123, 1, '루틴', </a:t>
+            </a:r>
+            <a:r>
+              <a:rPr lang="ko-KR" altLang="en-US" dirty="0" err="1"/>
+              <a:t>sysdate</a:t>
+            </a:r>
+            <a:r>
+              <a:rPr lang="ko-KR" altLang="en-US" dirty="0"/>
+              <a:t>, </a:t>
+            </a:r>
+            <a:r>
+              <a:rPr lang="ko-KR" altLang="en-US" dirty="0" err="1"/>
+              <a:t>sysdate</a:t>
+            </a:r>
+            <a:r>
+              <a:rPr lang="ko-KR" altLang="en-US" dirty="0"/>
+              <a:t>, '일어나기', </a:t>
+            </a:r>
+            <a:r>
+              <a:rPr lang="ko-KR" altLang="en-US" dirty="0" err="1"/>
+              <a:t>sysdate</a:t>
+            </a:r>
+            <a:r>
+              <a:rPr lang="ko-KR" altLang="en-US" dirty="0"/>
+              <a:t>, </a:t>
+            </a:r>
+            <a:r>
+              <a:rPr lang="ko-KR" altLang="en-US" dirty="0" err="1"/>
+              <a:t>null</a:t>
+            </a:r>
+            <a:r>
+              <a:rPr lang="ko-KR" altLang="en-US" dirty="0"/>
+              <a:t>);</a:t>
+            </a:r>
+          </a:p>
+          <a:p>
+            <a:endParaRPr lang="ko-KR" altLang="en-US" dirty="0"/>
+          </a:p>
+          <a:p>
+            <a:r>
+              <a:rPr lang="ko-KR" altLang="en-US" dirty="0" err="1"/>
+              <a:t>insert</a:t>
+            </a:r>
+            <a:r>
+              <a:rPr lang="ko-KR" altLang="en-US" dirty="0"/>
+              <a:t> </a:t>
+            </a:r>
+            <a:r>
+              <a:rPr lang="ko-KR" altLang="en-US" dirty="0" err="1"/>
+              <a:t>into</a:t>
+            </a:r>
+            <a:r>
+              <a:rPr lang="ko-KR" altLang="en-US" dirty="0"/>
+              <a:t> </a:t>
+            </a:r>
+            <a:r>
+              <a:rPr lang="ko-KR" altLang="en-US" dirty="0" err="1"/>
+              <a:t>event</a:t>
+            </a:r>
+            <a:r>
+              <a:rPr lang="ko-KR" altLang="en-US" dirty="0"/>
+              <a:t>(</a:t>
+            </a:r>
+            <a:r>
+              <a:rPr lang="ko-KR" altLang="en-US" dirty="0" err="1"/>
+              <a:t>event_id</a:t>
+            </a:r>
+            <a:r>
+              <a:rPr lang="ko-KR" altLang="en-US" dirty="0"/>
+              <a:t>, </a:t>
+            </a:r>
+            <a:r>
+              <a:rPr lang="ko-KR" altLang="en-US" dirty="0" err="1"/>
+              <a:t>member_id</a:t>
+            </a:r>
+            <a:r>
+              <a:rPr lang="ko-KR" altLang="en-US" dirty="0"/>
+              <a:t>, </a:t>
+            </a:r>
+            <a:r>
+              <a:rPr lang="ko-KR" altLang="en-US" dirty="0" err="1"/>
+              <a:t>category_id</a:t>
+            </a:r>
+            <a:r>
+              <a:rPr lang="ko-KR" altLang="en-US" dirty="0"/>
+              <a:t>, </a:t>
+            </a:r>
+            <a:r>
+              <a:rPr lang="ko-KR" altLang="en-US" dirty="0" err="1"/>
+              <a:t>routine_id</a:t>
+            </a:r>
+            <a:r>
+              <a:rPr lang="ko-KR" altLang="en-US" dirty="0"/>
+              <a:t>, </a:t>
+            </a:r>
+            <a:r>
+              <a:rPr lang="ko-KR" altLang="en-US" dirty="0" err="1"/>
+              <a:t>title</a:t>
+            </a:r>
+            <a:r>
+              <a:rPr lang="ko-KR" altLang="en-US" dirty="0"/>
+              <a:t>, </a:t>
+            </a:r>
+          </a:p>
+          <a:p>
+            <a:r>
+              <a:rPr lang="ko-KR" altLang="en-US" dirty="0" err="1"/>
+              <a:t>location</a:t>
+            </a:r>
+            <a:r>
+              <a:rPr lang="ko-KR" altLang="en-US" dirty="0"/>
+              <a:t>, </a:t>
+            </a:r>
+            <a:r>
+              <a:rPr lang="ko-KR" altLang="en-US" dirty="0" err="1"/>
+              <a:t>start_date</a:t>
+            </a:r>
+            <a:r>
+              <a:rPr lang="ko-KR" altLang="en-US" dirty="0"/>
+              <a:t>, </a:t>
+            </a:r>
+            <a:r>
+              <a:rPr lang="ko-KR" altLang="en-US" dirty="0" err="1"/>
+              <a:t>end_date</a:t>
+            </a:r>
+            <a:r>
+              <a:rPr lang="ko-KR" altLang="en-US" dirty="0"/>
+              <a:t>, </a:t>
+            </a:r>
+            <a:r>
+              <a:rPr lang="ko-KR" altLang="en-US" dirty="0" err="1"/>
+              <a:t>memo</a:t>
+            </a:r>
+            <a:r>
+              <a:rPr lang="ko-KR" altLang="en-US" dirty="0"/>
+              <a:t>, </a:t>
+            </a:r>
+            <a:r>
+              <a:rPr lang="ko-KR" altLang="en-US" dirty="0" err="1"/>
+              <a:t>all_day</a:t>
+            </a:r>
+            <a:r>
+              <a:rPr lang="ko-KR" altLang="en-US" dirty="0"/>
+              <a:t>, </a:t>
+            </a:r>
+            <a:r>
+              <a:rPr lang="ko-KR" altLang="en-US" dirty="0" err="1"/>
+              <a:t>publice</a:t>
+            </a:r>
+            <a:r>
+              <a:rPr lang="ko-KR" altLang="en-US" dirty="0"/>
+              <a:t>)</a:t>
+            </a:r>
+          </a:p>
+          <a:p>
+            <a:r>
+              <a:rPr lang="ko-KR" altLang="en-US" dirty="0" err="1"/>
+              <a:t>values</a:t>
+            </a:r>
+            <a:r>
+              <a:rPr lang="ko-KR" altLang="en-US" dirty="0"/>
+              <a:t>(1, 1, 1, 123, '여행', '안산', </a:t>
+            </a:r>
+            <a:r>
+              <a:rPr lang="ko-KR" altLang="en-US" dirty="0" err="1"/>
+              <a:t>sysdate</a:t>
+            </a:r>
+            <a:r>
+              <a:rPr lang="ko-KR" altLang="en-US" dirty="0"/>
+              <a:t>, </a:t>
+            </a:r>
+            <a:r>
+              <a:rPr lang="ko-KR" altLang="en-US" dirty="0" err="1"/>
+              <a:t>sysdate</a:t>
+            </a:r>
+            <a:r>
+              <a:rPr lang="ko-KR" altLang="en-US" dirty="0"/>
+              <a:t>, '놀러가자', 1, 1);</a:t>
+            </a:r>
+          </a:p>
+          <a:p>
+            <a:endParaRPr lang="ko-KR" altLang="en-US" dirty="0"/>
+          </a:p>
+          <a:p>
+            <a:r>
+              <a:rPr lang="ko-KR" altLang="en-US" dirty="0" err="1"/>
+              <a:t>commit</a:t>
+            </a:r>
+            <a:r>
+              <a:rPr lang="ko-KR" altLang="en-US" dirty="0"/>
+              <a:t>;</a:t>
+            </a:r>
+          </a:p>
+        </p:txBody>
+      </p:sp>
+    </p:spTree>
+    <p:extLst>
+      <p:ext uri="{BB962C8B-B14F-4D97-AF65-F5344CB8AC3E}">
+        <p14:creationId xmlns:p14="http://schemas.microsoft.com/office/powerpoint/2010/main" val="802189841"/>
       </p:ext>
     </p:extLst>
   </p:cSld>
@@ -7335,6 +8079,158 @@
           </a:p>
         </p:txBody>
       </p:sp>
+      <p:sp>
+        <p:nvSpPr>
+          <p:cNvPr id="20" name="TextBox 19"/>
+          <p:cNvSpPr txBox="1"/>
+          <p:nvPr/>
+        </p:nvSpPr>
+        <p:spPr>
+          <a:xfrm>
+            <a:off x="6183166" y="711612"/>
+            <a:ext cx="407484" cy="553998"/>
+          </a:xfrm>
+          <a:prstGeom prst="rect">
+            <a:avLst/>
+          </a:prstGeom>
+          <a:noFill/>
+        </p:spPr>
+        <p:txBody>
+          <a:bodyPr wrap="none" rtlCol="0">
+            <a:spAutoFit/>
+          </a:bodyPr>
+          <a:lstStyle/>
+          <a:p>
+            <a:r>
+              <a:rPr lang="en-US" altLang="ko-KR" sz="3000" b="1" dirty="0" smtClean="0">
+                <a:solidFill>
+                  <a:schemeClr val="bg1"/>
+                </a:solidFill>
+              </a:rPr>
+              <a:t>1</a:t>
+            </a:r>
+            <a:endParaRPr lang="ko-KR" altLang="en-US" sz="3000" b="1" dirty="0">
+              <a:solidFill>
+                <a:schemeClr val="bg1"/>
+              </a:solidFill>
+            </a:endParaRPr>
+          </a:p>
+        </p:txBody>
+      </p:sp>
+      <p:sp>
+        <p:nvSpPr>
+          <p:cNvPr id="26" name="TextBox 25"/>
+          <p:cNvSpPr txBox="1"/>
+          <p:nvPr/>
+        </p:nvSpPr>
+        <p:spPr>
+          <a:xfrm>
+            <a:off x="5306751" y="3369302"/>
+            <a:ext cx="407484" cy="553998"/>
+          </a:xfrm>
+          <a:prstGeom prst="rect">
+            <a:avLst/>
+          </a:prstGeom>
+          <a:noFill/>
+        </p:spPr>
+        <p:txBody>
+          <a:bodyPr wrap="none" rtlCol="0">
+            <a:spAutoFit/>
+          </a:bodyPr>
+          <a:lstStyle/>
+          <a:p>
+            <a:r>
+              <a:rPr lang="en-US" altLang="ko-KR" sz="3000" b="1" dirty="0" smtClean="0">
+                <a:solidFill>
+                  <a:schemeClr val="bg1"/>
+                </a:solidFill>
+              </a:rPr>
+              <a:t>2</a:t>
+            </a:r>
+            <a:endParaRPr lang="ko-KR" altLang="en-US" sz="3000" b="1" dirty="0">
+              <a:solidFill>
+                <a:schemeClr val="bg1"/>
+              </a:solidFill>
+            </a:endParaRPr>
+          </a:p>
+        </p:txBody>
+      </p:sp>
+      <p:sp>
+        <p:nvSpPr>
+          <p:cNvPr id="27" name="TextBox 26"/>
+          <p:cNvSpPr txBox="1"/>
+          <p:nvPr/>
+        </p:nvSpPr>
+        <p:spPr>
+          <a:xfrm>
+            <a:off x="11458930" y="349662"/>
+            <a:ext cx="407484" cy="553998"/>
+          </a:xfrm>
+          <a:prstGeom prst="rect">
+            <a:avLst/>
+          </a:prstGeom>
+          <a:noFill/>
+        </p:spPr>
+        <p:txBody>
+          <a:bodyPr wrap="none" rtlCol="0">
+            <a:spAutoFit/>
+          </a:bodyPr>
+          <a:lstStyle/>
+          <a:p>
+            <a:r>
+              <a:rPr lang="en-US" altLang="ko-KR" sz="3000" b="1" dirty="0" smtClean="0">
+                <a:solidFill>
+                  <a:schemeClr val="bg1"/>
+                </a:solidFill>
+              </a:rPr>
+              <a:t>3</a:t>
+            </a:r>
+            <a:endParaRPr lang="ko-KR" altLang="en-US" sz="3000" b="1" dirty="0">
+              <a:solidFill>
+                <a:schemeClr val="bg1"/>
+              </a:solidFill>
+            </a:endParaRPr>
+          </a:p>
+        </p:txBody>
+      </p:sp>
+      <p:sp>
+        <p:nvSpPr>
+          <p:cNvPr id="28" name="TextBox 27"/>
+          <p:cNvSpPr txBox="1"/>
+          <p:nvPr/>
+        </p:nvSpPr>
+        <p:spPr>
+          <a:xfrm>
+            <a:off x="11363680" y="3012272"/>
+            <a:ext cx="407484" cy="553998"/>
+          </a:xfrm>
+          <a:prstGeom prst="rect">
+            <a:avLst/>
+          </a:prstGeom>
+          <a:noFill/>
+        </p:spPr>
+        <p:txBody>
+          <a:bodyPr wrap="none" rtlCol="0">
+            <a:spAutoFit/>
+          </a:bodyPr>
+          <a:lstStyle/>
+          <a:p>
+            <a:r>
+              <a:rPr lang="en-US" altLang="ko-KR" sz="3000" b="1" dirty="0" smtClean="0">
+                <a:solidFill>
+                  <a:schemeClr val="bg1"/>
+                </a:solidFill>
+              </a:rPr>
+              <a:t>4</a:t>
+            </a:r>
+            <a:endParaRPr lang="ko-KR" altLang="en-US" sz="3000" b="1" dirty="0">
+              <a:solidFill>
+                <a:schemeClr val="bg1"/>
+              </a:solidFill>
+            </a:endParaRPr>
+          </a:p>
+        </p:txBody>
+      </p:sp>
     </p:spTree>
     <p:extLst>
       <p:ext uri="{BB962C8B-B14F-4D97-AF65-F5344CB8AC3E}">
@@ -8105,6 +9001,44 @@
                 <a:schemeClr val="bg1">
                   <a:lumMod val="85000"/>
                 </a:schemeClr>
+              </a:solidFill>
+            </a:endParaRPr>
+          </a:p>
+        </p:txBody>
+      </p:sp>
+      <p:sp>
+        <p:nvSpPr>
+          <p:cNvPr id="5" name="TextBox 4"/>
+          <p:cNvSpPr txBox="1"/>
+          <p:nvPr/>
+        </p:nvSpPr>
+        <p:spPr>
+          <a:xfrm>
+            <a:off x="5780277" y="5672023"/>
+            <a:ext cx="1651414" cy="369332"/>
+          </a:xfrm>
+          <a:prstGeom prst="rect">
+            <a:avLst/>
+          </a:prstGeom>
+          <a:noFill/>
+        </p:spPr>
+        <p:txBody>
+          <a:bodyPr wrap="none" rtlCol="0">
+            <a:spAutoFit/>
+          </a:bodyPr>
+          <a:lstStyle/>
+          <a:p>
+            <a:r>
+              <a:rPr lang="ko-KR" altLang="en-US" b="1" u="sng" dirty="0" smtClean="0">
+                <a:solidFill>
+                  <a:schemeClr val="bg1"/>
+                </a:solidFill>
+              </a:rPr>
+              <a:t>내용 수정하고</a:t>
+            </a:r>
+            <a:endParaRPr lang="ko-KR" altLang="en-US" b="1" u="sng" dirty="0">
+              <a:solidFill>
+                <a:schemeClr val="bg1"/>
               </a:solidFill>
             </a:endParaRPr>
           </a:p>

--- a/메모장.pptx
+++ b/메모장.pptx
@@ -442,7 +442,7 @@
               </emma:one-of>
             </emma:emma>
           </inkml:annotationXML>
-          <inkml:trace contextRef="#ctx0" brushRef="#br0" timeOffset="1294.6538">3732 3422 0,'0'0'0,"0"0"0,0 0 16,0 0-16,0 0 0,0 0 16,0 0-16,0 0 0,0 0 15,0 0-15,0 0 16,-4 0-16,-20 0 0,-22 0 15,-20 16-15,-15 1 16,-4-14-16,7 7 0,-3-6 16,0 7-16,-3-5 0,-11-6 15,18 14-15,-7-9 16,1-2-16,-1-3 0,1 12 16,2-5-16,-10-3 15,-5-4-15,7 0 0,3 0 16,11 0-16,7 0 0,6-1 15,-4 1 1,5-3-16,-2 3 0,8-7 0,3-8 16,5-4-1,9-2-15,1-3 0,6-1 0,1-9 16,7 0-16,2-7 16,11-2-16,4-9 15,6-5-15,3-4 0,8 5 16,9 2-16,14-6 15,11-2-15,6 2 0,11-1 16,13-7-16,11 2 16,8 2-16,-4 7 0,2 8 15,5 3-15,10 4 16,11 3-16,-3 8 0,-1 8 16,-10 15-16,7-7 0,-9 14 15,-2 1-15,-5 1 16,-11 5-16,3 13 0,-8 11 15,0 11-15,3 8 16,-7 9-16,-6 7 0,-10 8 16,-7 6-16,-11-2 15,-4-2-15,-7-6 0,-8-2 16,-6 5-16,5 5 0,-9-8 16,7-2-16,-9-14 15,4-10-15,5 0 0,-6-14 16,-17-56-1</inkml:trace>
+          <inkml:trace contextRef="#ctx0" brushRef="#br0" timeOffset="1294.6537">3732 3422 0,'0'0'0,"0"0"0,0 0 16,0 0-16,0 0 0,0 0 16,0 0-16,0 0 0,0 0 15,0 0-15,0 0 16,-4 0-16,-20 0 0,-22 0 15,-20 16-15,-15 1 16,-4-14-16,7 7 0,-3-6 16,0 7-16,-3-5 0,-11-6 15,18 14-15,-7-9 16,1-2-16,-1-3 0,1 12 16,2-5-16,-10-3 15,-5-4-15,7 0 0,3 0 16,11 0-16,7 0 0,6-1 15,-4 1 1,5-3-16,-2 3 0,8-7 0,3-8 16,5-4-1,9-2-15,1-3 0,6-1 0,1-9 16,7 0-16,2-7 16,11-2-16,4-9 15,6-5-15,3-4 0,8 5 16,9 2-16,14-6 15,11-2-15,6 2 0,11-1 16,13-7-16,11 2 16,8 2-16,-4 7 0,2 8 15,5 3-15,10 4 16,11 3-16,-3 8 0,-1 8 16,-10 15-16,7-7 0,-9 14 15,-2 1-15,-5 1 16,-11 5-16,3 13 0,-8 11 15,0 11-15,3 8 16,-7 9-16,-6 7 0,-10 8 16,-7 6-16,-11-2 15,-4-2-15,-7-6 0,-8-2 16,-6 5-16,5 5 0,-9-8 16,7-2-16,-9-14 15,4-10-15,5 0 0,-6-14 16,-17-56-1</inkml:trace>
         </inkml:traceGroup>
       </inkml:traceGroup>
     </inkml:traceGroup>
@@ -4209,7 +4209,7 @@
         <p:spPr>
           <a:xfrm>
             <a:off x="0" y="1042842"/>
-            <a:ext cx="5454502" cy="3416320"/>
+            <a:ext cx="5454502" cy="3139321"/>
           </a:xfrm>
           <a:prstGeom prst="rect">
             <a:avLst/>
@@ -4312,64 +4312,41 @@
             <a:endParaRPr lang="en-US" altLang="ko-KR" dirty="0" smtClean="0"/>
           </a:p>
           <a:p>
-            <a:endParaRPr lang="en-US" altLang="ko-KR" dirty="0"/>
-          </a:p>
-          <a:p>
+            <a:endParaRPr lang="en-US" altLang="ko-KR" strike="sngStrike" dirty="0"/>
+          </a:p>
+          <a:p>
+            <a:r>
+              <a:rPr lang="ko-KR" altLang="en-US" dirty="0" err="1" smtClean="0"/>
+              <a:t>친구코드</a:t>
+            </a:r>
             <a:r>
               <a:rPr lang="ko-KR" altLang="en-US" dirty="0" smtClean="0"/>
-              <a:t>챕터</a:t>
-            </a:r>
-            <a:r>
-              <a:rPr lang="en-US" altLang="ko-KR" dirty="0" smtClean="0"/>
-              <a:t>15 </a:t>
+              <a:t> 없애고 그냥 </a:t>
+            </a:r>
+            <a:r>
+              <a:rPr lang="en-US" altLang="ko-KR" dirty="0" err="1" smtClean="0"/>
+              <a:t>member_id</a:t>
             </a:r>
             <a:r>
               <a:rPr lang="ko-KR" altLang="en-US" dirty="0" smtClean="0"/>
-              <a:t>보드 </a:t>
+              <a:t>로 해서 </a:t>
+            </a:r>
+            <a:endParaRPr lang="en-US" altLang="ko-KR" dirty="0" smtClean="0"/>
+          </a:p>
+          <a:p>
+            <a:r>
+              <a:rPr lang="ko-KR" altLang="en-US" dirty="0" smtClean="0"/>
+              <a:t>친구 </a:t>
             </a:r>
             <a:r>
               <a:rPr lang="ko-KR" altLang="en-US" dirty="0" err="1" smtClean="0"/>
-              <a:t>관련된거</a:t>
+              <a:t>거는건</a:t>
             </a:r>
             <a:r>
               <a:rPr lang="ko-KR" altLang="en-US" dirty="0" smtClean="0"/>
-              <a:t> 보면서 </a:t>
-            </a:r>
-            <a:r>
-              <a:rPr lang="ko-KR" altLang="en-US" dirty="0" err="1" smtClean="0"/>
-              <a:t>땡겨</a:t>
-            </a:r>
-            <a:r>
-              <a:rPr lang="ko-KR" altLang="en-US" dirty="0" smtClean="0"/>
-              <a:t> 와야 </a:t>
-            </a:r>
-            <a:r>
-              <a:rPr lang="ko-KR" altLang="en-US" dirty="0" err="1" smtClean="0"/>
-              <a:t>할듯</a:t>
+              <a:t> 어떤지</a:t>
             </a:r>
             <a:endParaRPr lang="en-US" altLang="ko-KR" dirty="0" smtClean="0"/>
-          </a:p>
-          <a:p>
-            <a:r>
-              <a:rPr lang="ko-KR" altLang="en-US" dirty="0" smtClean="0"/>
-              <a:t>그러고 실행 해보고 그래도 안되면 이벤트 서비스 오류 </a:t>
-            </a:r>
-            <a:r>
-              <a:rPr lang="ko-KR" altLang="en-US" dirty="0" err="1" smtClean="0"/>
-              <a:t>잡아야함</a:t>
-            </a:r>
-            <a:r>
-              <a:rPr lang="ko-KR" altLang="en-US" dirty="0" smtClean="0"/>
-              <a:t> </a:t>
-            </a:r>
-            <a:r>
-              <a:rPr lang="ko-KR" altLang="en-US" dirty="0" err="1" smtClean="0"/>
-              <a:t>홀리쒯</a:t>
-            </a:r>
-            <a:r>
-              <a:rPr lang="en-US" altLang="ko-KR" dirty="0" smtClean="0"/>
-              <a:t>!!!</a:t>
-            </a:r>
           </a:p>
         </p:txBody>
       </p:sp>

--- a/메모장.pptx
+++ b/메모장.pptx
@@ -442,7 +442,7 @@
               </emma:one-of>
             </emma:emma>
           </inkml:annotationXML>
-          <inkml:trace contextRef="#ctx0" brushRef="#br0" timeOffset="1294.6537">3732 3422 0,'0'0'0,"0"0"0,0 0 16,0 0-16,0 0 0,0 0 16,0 0-16,0 0 0,0 0 15,0 0-15,0 0 16,-4 0-16,-20 0 0,-22 0 15,-20 16-15,-15 1 16,-4-14-16,7 7 0,-3-6 16,0 7-16,-3-5 0,-11-6 15,18 14-15,-7-9 16,1-2-16,-1-3 0,1 12 16,2-5-16,-10-3 15,-5-4-15,7 0 0,3 0 16,11 0-16,7 0 0,6-1 15,-4 1 1,5-3-16,-2 3 0,8-7 0,3-8 16,5-4-1,9-2-15,1-3 0,6-1 0,1-9 16,7 0-16,2-7 16,11-2-16,4-9 15,6-5-15,3-4 0,8 5 16,9 2-16,14-6 15,11-2-15,6 2 0,11-1 16,13-7-16,11 2 16,8 2-16,-4 7 0,2 8 15,5 3-15,10 4 16,11 3-16,-3 8 0,-1 8 16,-10 15-16,7-7 0,-9 14 15,-2 1-15,-5 1 16,-11 5-16,3 13 0,-8 11 15,0 11-15,3 8 16,-7 9-16,-6 7 0,-10 8 16,-7 6-16,-11-2 15,-4-2-15,-7-6 0,-8-2 16,-6 5-16,5 5 0,-9-8 16,7-2-16,-9-14 15,4-10-15,5 0 0,-6-14 16,-17-56-1</inkml:trace>
+          <inkml:trace contextRef="#ctx0" brushRef="#br0" timeOffset="1294.6536">3732 3422 0,'0'0'0,"0"0"0,0 0 16,0 0-16,0 0 0,0 0 16,0 0-16,0 0 0,0 0 15,0 0-15,0 0 16,-4 0-16,-20 0 0,-22 0 15,-20 16-15,-15 1 16,-4-14-16,7 7 0,-3-6 16,0 7-16,-3-5 0,-11-6 15,18 14-15,-7-9 16,1-2-16,-1-3 0,1 12 16,2-5-16,-10-3 15,-5-4-15,7 0 0,3 0 16,11 0-16,7 0 0,6-1 15,-4 1 1,5-3-16,-2 3 0,8-7 0,3-8 16,5-4-1,9-2-15,1-3 0,6-1 0,1-9 16,7 0-16,2-7 16,11-2-16,4-9 15,6-5-15,3-4 0,8 5 16,9 2-16,14-6 15,11-2-15,6 2 0,11-1 16,13-7-16,11 2 16,8 2-16,-4 7 0,2 8 15,5 3-15,10 4 16,11 3-16,-3 8 0,-1 8 16,-10 15-16,7-7 0,-9 14 15,-2 1-15,-5 1 16,-11 5-16,3 13 0,-8 11 15,0 11-15,3 8 16,-7 9-16,-6 7 0,-10 8 16,-7 6-16,-11-2 15,-4-2-15,-7-6 0,-8-2 16,-6 5-16,5 5 0,-9-8 16,7-2-16,-9-14 15,4-10-15,5 0 0,-6-14 16,-17-56-1</inkml:trace>
         </inkml:traceGroup>
       </inkml:traceGroup>
     </inkml:traceGroup>
@@ -1170,7 +1170,7 @@
           <a:p>
             <a:fld id="{C78335B2-3F3A-44EF-82BF-4A1893033EAF}" type="datetimeFigureOut">
               <a:rPr lang="ko-KR" altLang="en-US" smtClean="0"/>
-              <a:t>2024-08-14</a:t>
+              <a:t>2024-08-16</a:t>
             </a:fld>
             <a:endParaRPr lang="ko-KR" altLang="en-US"/>
           </a:p>
@@ -1340,7 +1340,7 @@
           <a:p>
             <a:fld id="{C78335B2-3F3A-44EF-82BF-4A1893033EAF}" type="datetimeFigureOut">
               <a:rPr lang="ko-KR" altLang="en-US" smtClean="0"/>
-              <a:t>2024-08-14</a:t>
+              <a:t>2024-08-16</a:t>
             </a:fld>
             <a:endParaRPr lang="ko-KR" altLang="en-US"/>
           </a:p>
@@ -1520,7 +1520,7 @@
           <a:p>
             <a:fld id="{C78335B2-3F3A-44EF-82BF-4A1893033EAF}" type="datetimeFigureOut">
               <a:rPr lang="ko-KR" altLang="en-US" smtClean="0"/>
-              <a:t>2024-08-14</a:t>
+              <a:t>2024-08-16</a:t>
             </a:fld>
             <a:endParaRPr lang="ko-KR" altLang="en-US"/>
           </a:p>
@@ -1690,7 +1690,7 @@
           <a:p>
             <a:fld id="{C78335B2-3F3A-44EF-82BF-4A1893033EAF}" type="datetimeFigureOut">
               <a:rPr lang="ko-KR" altLang="en-US" smtClean="0"/>
-              <a:t>2024-08-14</a:t>
+              <a:t>2024-08-16</a:t>
             </a:fld>
             <a:endParaRPr lang="ko-KR" altLang="en-US"/>
           </a:p>
@@ -1936,7 +1936,7 @@
           <a:p>
             <a:fld id="{C78335B2-3F3A-44EF-82BF-4A1893033EAF}" type="datetimeFigureOut">
               <a:rPr lang="ko-KR" altLang="en-US" smtClean="0"/>
-              <a:t>2024-08-14</a:t>
+              <a:t>2024-08-16</a:t>
             </a:fld>
             <a:endParaRPr lang="ko-KR" altLang="en-US"/>
           </a:p>
@@ -2168,7 +2168,7 @@
           <a:p>
             <a:fld id="{C78335B2-3F3A-44EF-82BF-4A1893033EAF}" type="datetimeFigureOut">
               <a:rPr lang="ko-KR" altLang="en-US" smtClean="0"/>
-              <a:t>2024-08-14</a:t>
+              <a:t>2024-08-16</a:t>
             </a:fld>
             <a:endParaRPr lang="ko-KR" altLang="en-US"/>
           </a:p>
@@ -2535,7 +2535,7 @@
           <a:p>
             <a:fld id="{C78335B2-3F3A-44EF-82BF-4A1893033EAF}" type="datetimeFigureOut">
               <a:rPr lang="ko-KR" altLang="en-US" smtClean="0"/>
-              <a:t>2024-08-14</a:t>
+              <a:t>2024-08-16</a:t>
             </a:fld>
             <a:endParaRPr lang="ko-KR" altLang="en-US"/>
           </a:p>
@@ -2653,7 +2653,7 @@
           <a:p>
             <a:fld id="{C78335B2-3F3A-44EF-82BF-4A1893033EAF}" type="datetimeFigureOut">
               <a:rPr lang="ko-KR" altLang="en-US" smtClean="0"/>
-              <a:t>2024-08-14</a:t>
+              <a:t>2024-08-16</a:t>
             </a:fld>
             <a:endParaRPr lang="ko-KR" altLang="en-US"/>
           </a:p>
@@ -2748,7 +2748,7 @@
           <a:p>
             <a:fld id="{C78335B2-3F3A-44EF-82BF-4A1893033EAF}" type="datetimeFigureOut">
               <a:rPr lang="ko-KR" altLang="en-US" smtClean="0"/>
-              <a:t>2024-08-14</a:t>
+              <a:t>2024-08-16</a:t>
             </a:fld>
             <a:endParaRPr lang="ko-KR" altLang="en-US"/>
           </a:p>
@@ -3025,7 +3025,7 @@
           <a:p>
             <a:fld id="{C78335B2-3F3A-44EF-82BF-4A1893033EAF}" type="datetimeFigureOut">
               <a:rPr lang="ko-KR" altLang="en-US" smtClean="0"/>
-              <a:t>2024-08-14</a:t>
+              <a:t>2024-08-16</a:t>
             </a:fld>
             <a:endParaRPr lang="ko-KR" altLang="en-US"/>
           </a:p>
@@ -3278,7 +3278,7 @@
           <a:p>
             <a:fld id="{C78335B2-3F3A-44EF-82BF-4A1893033EAF}" type="datetimeFigureOut">
               <a:rPr lang="ko-KR" altLang="en-US" smtClean="0"/>
-              <a:t>2024-08-14</a:t>
+              <a:t>2024-08-16</a:t>
             </a:fld>
             <a:endParaRPr lang="ko-KR" altLang="en-US"/>
           </a:p>
@@ -3491,7 +3491,7 @@
           <a:p>
             <a:fld id="{C78335B2-3F3A-44EF-82BF-4A1893033EAF}" type="datetimeFigureOut">
               <a:rPr lang="ko-KR" altLang="en-US" smtClean="0"/>
-              <a:t>2024-08-14</a:t>
+              <a:t>2024-08-16</a:t>
             </a:fld>
             <a:endParaRPr lang="ko-KR" altLang="en-US"/>
           </a:p>
@@ -4359,7 +4359,7 @@
         <p:spPr>
           <a:xfrm>
             <a:off x="5578549" y="341438"/>
-            <a:ext cx="6096000" cy="5909310"/>
+            <a:ext cx="6096000" cy="7571303"/>
           </a:xfrm>
           <a:prstGeom prst="rect">
             <a:avLst/>
@@ -4419,8 +4419,146 @@
             </a:r>
             <a:r>
               <a:rPr lang="ko-KR" altLang="en-US" dirty="0"/>
-              <a:t>(1, '공부');</a:t>
-            </a:r>
+              <a:t>(1, '공부</a:t>
+            </a:r>
+            <a:r>
+              <a:rPr lang="ko-KR" altLang="en-US" dirty="0" smtClean="0"/>
+              <a:t>');</a:t>
+            </a:r>
+            <a:endParaRPr lang="en-US" altLang="ko-KR" dirty="0" smtClean="0"/>
+          </a:p>
+          <a:p>
+            <a:r>
+              <a:rPr lang="ko-KR" altLang="en-US" dirty="0" err="1"/>
+              <a:t>insert</a:t>
+            </a:r>
+            <a:r>
+              <a:rPr lang="ko-KR" altLang="en-US" dirty="0"/>
+              <a:t> </a:t>
+            </a:r>
+            <a:r>
+              <a:rPr lang="ko-KR" altLang="en-US" dirty="0" err="1"/>
+              <a:t>into</a:t>
+            </a:r>
+            <a:r>
+              <a:rPr lang="ko-KR" altLang="en-US" dirty="0"/>
+              <a:t> </a:t>
+            </a:r>
+            <a:r>
+              <a:rPr lang="ko-KR" altLang="en-US" dirty="0" err="1"/>
+              <a:t>category</a:t>
+            </a:r>
+            <a:r>
+              <a:rPr lang="ko-KR" altLang="en-US" dirty="0"/>
+              <a:t>(</a:t>
+            </a:r>
+            <a:r>
+              <a:rPr lang="ko-KR" altLang="en-US" dirty="0" err="1"/>
+              <a:t>category_id</a:t>
+            </a:r>
+            <a:r>
+              <a:rPr lang="ko-KR" altLang="en-US" dirty="0"/>
+              <a:t>, </a:t>
+            </a:r>
+            <a:r>
+              <a:rPr lang="ko-KR" altLang="en-US" dirty="0" err="1"/>
+              <a:t>category_name</a:t>
+            </a:r>
+            <a:r>
+              <a:rPr lang="ko-KR" altLang="en-US" dirty="0"/>
+              <a:t>)</a:t>
+            </a:r>
+          </a:p>
+          <a:p>
+            <a:r>
+              <a:rPr lang="ko-KR" altLang="en-US" dirty="0" err="1" smtClean="0"/>
+              <a:t>values</a:t>
+            </a:r>
+            <a:r>
+              <a:rPr lang="ko-KR" altLang="en-US" dirty="0" smtClean="0"/>
+              <a:t>(</a:t>
+            </a:r>
+            <a:r>
+              <a:rPr lang="en-US" altLang="ko-KR" dirty="0" smtClean="0"/>
+              <a:t>2</a:t>
+            </a:r>
+            <a:r>
+              <a:rPr lang="ko-KR" altLang="en-US" dirty="0" smtClean="0"/>
+              <a:t>, ＇여행</a:t>
+            </a:r>
+            <a:r>
+              <a:rPr lang="en-US" altLang="ko-KR" dirty="0" smtClean="0"/>
+              <a:t>’</a:t>
+            </a:r>
+            <a:r>
+              <a:rPr lang="ko-KR" altLang="en-US" dirty="0" smtClean="0"/>
+              <a:t>);</a:t>
+            </a:r>
+            <a:endParaRPr lang="en-US" altLang="ko-KR" dirty="0" smtClean="0"/>
+          </a:p>
+          <a:p>
+            <a:r>
+              <a:rPr lang="ko-KR" altLang="en-US" dirty="0" err="1"/>
+              <a:t>insert</a:t>
+            </a:r>
+            <a:r>
+              <a:rPr lang="ko-KR" altLang="en-US" dirty="0"/>
+              <a:t> </a:t>
+            </a:r>
+            <a:r>
+              <a:rPr lang="ko-KR" altLang="en-US" dirty="0" err="1"/>
+              <a:t>into</a:t>
+            </a:r>
+            <a:r>
+              <a:rPr lang="ko-KR" altLang="en-US" dirty="0"/>
+              <a:t> </a:t>
+            </a:r>
+            <a:r>
+              <a:rPr lang="ko-KR" altLang="en-US" dirty="0" err="1"/>
+              <a:t>category</a:t>
+            </a:r>
+            <a:r>
+              <a:rPr lang="ko-KR" altLang="en-US" dirty="0"/>
+              <a:t>(</a:t>
+            </a:r>
+            <a:r>
+              <a:rPr lang="ko-KR" altLang="en-US" dirty="0" err="1"/>
+              <a:t>category_id</a:t>
+            </a:r>
+            <a:r>
+              <a:rPr lang="ko-KR" altLang="en-US" dirty="0"/>
+              <a:t>, </a:t>
+            </a:r>
+            <a:r>
+              <a:rPr lang="ko-KR" altLang="en-US" dirty="0" err="1"/>
+              <a:t>category_name</a:t>
+            </a:r>
+            <a:r>
+              <a:rPr lang="ko-KR" altLang="en-US" dirty="0"/>
+              <a:t>)</a:t>
+            </a:r>
+          </a:p>
+          <a:p>
+            <a:r>
+              <a:rPr lang="ko-KR" altLang="en-US" dirty="0" err="1" smtClean="0"/>
+              <a:t>values</a:t>
+            </a:r>
+            <a:r>
+              <a:rPr lang="ko-KR" altLang="en-US" dirty="0" smtClean="0"/>
+              <a:t>(</a:t>
+            </a:r>
+            <a:r>
+              <a:rPr lang="en-US" altLang="ko-KR" dirty="0" smtClean="0"/>
+              <a:t>3</a:t>
+            </a:r>
+            <a:r>
+              <a:rPr lang="ko-KR" altLang="en-US" dirty="0" smtClean="0"/>
+              <a:t>, ＇기타');</a:t>
+            </a:r>
+            <a:endParaRPr lang="ko-KR" altLang="en-US" dirty="0"/>
+          </a:p>
+          <a:p>
+            <a:endParaRPr lang="ko-KR" altLang="en-US" dirty="0"/>
           </a:p>
           <a:p>
             <a:endParaRPr lang="ko-KR" altLang="en-US" dirty="0"/>
